--- a/ch11_클라이언트_식별과_쿠키/11장 클라이언트 식별과 쿠키.pptx
+++ b/ch11_클라이언트_식별과_쿠키/11장 클라이언트 식별과 쿠키.pptx
@@ -10666,7 +10666,7 @@
                             </p:stCondLst>
                             <p:childTnLst>
                               <p:par>
-                                <p:cTn id="5" presetID="1" presetClass="entr" presetSubtype="0" fill="hold" grpId="0" nodeType="clickEffect">
+                                <p:cTn id="5" presetID="10" presetClass="entr" presetSubtype="0" fill="hold" grpId="0" nodeType="clickEffect">
                                   <p:stCondLst>
                                     <p:cond delay="0"/>
                                   </p:stCondLst>
@@ -10689,18 +10689,26 @@
                                         <p:strVal val="visible"/>
                                       </p:to>
                                     </p:set>
+                                    <p:animEffect transition="in" filter="fade">
+                                      <p:cBhvr>
+                                        <p:cTn id="7" dur="500"/>
+                                        <p:tgtEl>
+                                          <p:spTgt spid="24"/>
+                                        </p:tgtEl>
+                                      </p:cBhvr>
+                                    </p:animEffect>
                                   </p:childTnLst>
                                 </p:cTn>
                               </p:par>
                               <p:par>
-                                <p:cTn id="7" presetID="1" presetClass="entr" presetSubtype="0" fill="hold" grpId="0" nodeType="withEffect">
+                                <p:cTn id="8" presetID="10" presetClass="entr" presetSubtype="0" fill="hold" grpId="0" nodeType="withEffect">
                                   <p:stCondLst>
                                     <p:cond delay="0"/>
                                   </p:stCondLst>
                                   <p:childTnLst>
                                     <p:set>
                                       <p:cBhvr>
-                                        <p:cTn id="8" dur="1" fill="hold">
+                                        <p:cTn id="9" dur="1" fill="hold">
                                           <p:stCondLst>
                                             <p:cond delay="0"/>
                                           </p:stCondLst>
@@ -10716,6 +10724,14 @@
                                         <p:strVal val="visible"/>
                                       </p:to>
                                     </p:set>
+                                    <p:animEffect transition="in" filter="fade">
+                                      <p:cBhvr>
+                                        <p:cTn id="10" dur="500"/>
+                                        <p:tgtEl>
+                                          <p:spTgt spid="17"/>
+                                        </p:tgtEl>
+                                      </p:cBhvr>
+                                    </p:animEffect>
                                   </p:childTnLst>
                                 </p:cTn>
                               </p:par>
@@ -10726,26 +10742,26 @@
                     </p:cTn>
                   </p:par>
                   <p:par>
-                    <p:cTn id="9" fill="hold">
+                    <p:cTn id="11" fill="hold">
                       <p:stCondLst>
                         <p:cond delay="indefinite"/>
                       </p:stCondLst>
                       <p:childTnLst>
                         <p:par>
-                          <p:cTn id="10" fill="hold">
+                          <p:cTn id="12" fill="hold">
                             <p:stCondLst>
                               <p:cond delay="0"/>
                             </p:stCondLst>
                             <p:childTnLst>
                               <p:par>
-                                <p:cTn id="11" presetID="1" presetClass="entr" presetSubtype="0" fill="hold" grpId="0" nodeType="clickEffect">
+                                <p:cTn id="13" presetID="10" presetClass="entr" presetSubtype="0" fill="hold" grpId="0" nodeType="clickEffect">
                                   <p:stCondLst>
                                     <p:cond delay="0"/>
                                   </p:stCondLst>
                                   <p:childTnLst>
                                     <p:set>
                                       <p:cBhvr>
-                                        <p:cTn id="12" dur="1" fill="hold">
+                                        <p:cTn id="14" dur="1" fill="hold">
                                           <p:stCondLst>
                                             <p:cond delay="0"/>
                                           </p:stCondLst>
@@ -10761,18 +10777,26 @@
                                         <p:strVal val="visible"/>
                                       </p:to>
                                     </p:set>
+                                    <p:animEffect transition="in" filter="fade">
+                                      <p:cBhvr>
+                                        <p:cTn id="15" dur="500"/>
+                                        <p:tgtEl>
+                                          <p:spTgt spid="25"/>
+                                        </p:tgtEl>
+                                      </p:cBhvr>
+                                    </p:animEffect>
                                   </p:childTnLst>
                                 </p:cTn>
                               </p:par>
                               <p:par>
-                                <p:cTn id="13" presetID="1" presetClass="entr" presetSubtype="0" fill="hold" grpId="0" nodeType="withEffect">
+                                <p:cTn id="16" presetID="10" presetClass="entr" presetSubtype="0" fill="hold" grpId="0" nodeType="withEffect">
                                   <p:stCondLst>
                                     <p:cond delay="0"/>
                                   </p:stCondLst>
                                   <p:childTnLst>
                                     <p:set>
                                       <p:cBhvr>
-                                        <p:cTn id="14" dur="1" fill="hold">
+                                        <p:cTn id="17" dur="1" fill="hold">
                                           <p:stCondLst>
                                             <p:cond delay="0"/>
                                           </p:stCondLst>
@@ -10788,18 +10812,26 @@
                                         <p:strVal val="visible"/>
                                       </p:to>
                                     </p:set>
+                                    <p:animEffect transition="in" filter="fade">
+                                      <p:cBhvr>
+                                        <p:cTn id="18" dur="500"/>
+                                        <p:tgtEl>
+                                          <p:spTgt spid="23"/>
+                                        </p:tgtEl>
+                                      </p:cBhvr>
+                                    </p:animEffect>
                                   </p:childTnLst>
                                 </p:cTn>
                               </p:par>
                               <p:par>
-                                <p:cTn id="15" presetID="1" presetClass="entr" presetSubtype="0" fill="hold" nodeType="withEffect">
+                                <p:cTn id="19" presetID="10" presetClass="entr" presetSubtype="0" fill="hold" nodeType="withEffect">
                                   <p:stCondLst>
                                     <p:cond delay="0"/>
                                   </p:stCondLst>
                                   <p:childTnLst>
                                     <p:set>
                                       <p:cBhvr>
-                                        <p:cTn id="16" dur="1" fill="hold">
+                                        <p:cTn id="20" dur="1" fill="hold">
                                           <p:stCondLst>
                                             <p:cond delay="0"/>
                                           </p:stCondLst>
@@ -10815,6 +10847,14 @@
                                         <p:strVal val="visible"/>
                                       </p:to>
                                     </p:set>
+                                    <p:animEffect transition="in" filter="fade">
+                                      <p:cBhvr>
+                                        <p:cTn id="21" dur="500"/>
+                                        <p:tgtEl>
+                                          <p:spTgt spid="3"/>
+                                        </p:tgtEl>
+                                      </p:cBhvr>
+                                    </p:animEffect>
                                   </p:childTnLst>
                                 </p:cTn>
                               </p:par>
@@ -10825,26 +10865,26 @@
                     </p:cTn>
                   </p:par>
                   <p:par>
-                    <p:cTn id="17" fill="hold">
+                    <p:cTn id="22" fill="hold">
                       <p:stCondLst>
                         <p:cond delay="indefinite"/>
                       </p:stCondLst>
                       <p:childTnLst>
                         <p:par>
-                          <p:cTn id="18" fill="hold">
+                          <p:cTn id="23" fill="hold">
                             <p:stCondLst>
                               <p:cond delay="0"/>
                             </p:stCondLst>
                             <p:childTnLst>
                               <p:par>
-                                <p:cTn id="19" presetID="1" presetClass="entr" presetSubtype="0" fill="hold" grpId="0" nodeType="clickEffect">
+                                <p:cTn id="24" presetID="10" presetClass="entr" presetSubtype="0" fill="hold" grpId="0" nodeType="clickEffect">
                                   <p:stCondLst>
                                     <p:cond delay="0"/>
                                   </p:stCondLst>
                                   <p:childTnLst>
                                     <p:set>
                                       <p:cBhvr>
-                                        <p:cTn id="20" dur="1" fill="hold">
+                                        <p:cTn id="25" dur="1" fill="hold">
                                           <p:stCondLst>
                                             <p:cond delay="0"/>
                                           </p:stCondLst>
@@ -10860,18 +10900,26 @@
                                         <p:strVal val="visible"/>
                                       </p:to>
                                     </p:set>
+                                    <p:animEffect transition="in" filter="fade">
+                                      <p:cBhvr>
+                                        <p:cTn id="26" dur="500"/>
+                                        <p:tgtEl>
+                                          <p:spTgt spid="29"/>
+                                        </p:tgtEl>
+                                      </p:cBhvr>
+                                    </p:animEffect>
                                   </p:childTnLst>
                                 </p:cTn>
                               </p:par>
                               <p:par>
-                                <p:cTn id="21" presetID="1" presetClass="entr" presetSubtype="0" fill="hold" grpId="0" nodeType="withEffect">
+                                <p:cTn id="27" presetID="10" presetClass="entr" presetSubtype="0" fill="hold" grpId="0" nodeType="withEffect">
                                   <p:stCondLst>
                                     <p:cond delay="0"/>
                                   </p:stCondLst>
                                   <p:childTnLst>
                                     <p:set>
                                       <p:cBhvr>
-                                        <p:cTn id="22" dur="1" fill="hold">
+                                        <p:cTn id="28" dur="1" fill="hold">
                                           <p:stCondLst>
                                             <p:cond delay="0"/>
                                           </p:stCondLst>
@@ -10887,18 +10935,26 @@
                                         <p:strVal val="visible"/>
                                       </p:to>
                                     </p:set>
+                                    <p:animEffect transition="in" filter="fade">
+                                      <p:cBhvr>
+                                        <p:cTn id="29" dur="500"/>
+                                        <p:tgtEl>
+                                          <p:spTgt spid="28"/>
+                                        </p:tgtEl>
+                                      </p:cBhvr>
+                                    </p:animEffect>
                                   </p:childTnLst>
                                 </p:cTn>
                               </p:par>
                               <p:par>
-                                <p:cTn id="23" presetID="1" presetClass="entr" presetSubtype="0" fill="hold" nodeType="withEffect">
+                                <p:cTn id="30" presetID="10" presetClass="entr" presetSubtype="0" fill="hold" nodeType="withEffect">
                                   <p:stCondLst>
                                     <p:cond delay="0"/>
                                   </p:stCondLst>
                                   <p:childTnLst>
                                     <p:set>
                                       <p:cBhvr>
-                                        <p:cTn id="24" dur="1" fill="hold">
+                                        <p:cTn id="31" dur="1" fill="hold">
                                           <p:stCondLst>
                                             <p:cond delay="0"/>
                                           </p:stCondLst>
@@ -10914,6 +10970,14 @@
                                         <p:strVal val="visible"/>
                                       </p:to>
                                     </p:set>
+                                    <p:animEffect transition="in" filter="fade">
+                                      <p:cBhvr>
+                                        <p:cTn id="32" dur="500"/>
+                                        <p:tgtEl>
+                                          <p:spTgt spid="5"/>
+                                        </p:tgtEl>
+                                      </p:cBhvr>
+                                    </p:animEffect>
                                   </p:childTnLst>
                                 </p:cTn>
                               </p:par>
@@ -10924,26 +10988,26 @@
                     </p:cTn>
                   </p:par>
                   <p:par>
-                    <p:cTn id="25" fill="hold">
+                    <p:cTn id="33" fill="hold">
                       <p:stCondLst>
                         <p:cond delay="indefinite"/>
                       </p:stCondLst>
                       <p:childTnLst>
                         <p:par>
-                          <p:cTn id="26" fill="hold">
+                          <p:cTn id="34" fill="hold">
                             <p:stCondLst>
                               <p:cond delay="0"/>
                             </p:stCondLst>
                             <p:childTnLst>
                               <p:par>
-                                <p:cTn id="27" presetID="1" presetClass="entr" presetSubtype="0" fill="hold" grpId="0" nodeType="clickEffect">
+                                <p:cTn id="35" presetID="10" presetClass="entr" presetSubtype="0" fill="hold" grpId="0" nodeType="clickEffect">
                                   <p:stCondLst>
                                     <p:cond delay="0"/>
                                   </p:stCondLst>
                                   <p:childTnLst>
                                     <p:set>
                                       <p:cBhvr>
-                                        <p:cTn id="28" dur="1" fill="hold">
+                                        <p:cTn id="36" dur="1" fill="hold">
                                           <p:stCondLst>
                                             <p:cond delay="0"/>
                                           </p:stCondLst>
@@ -10959,18 +11023,26 @@
                                         <p:strVal val="visible"/>
                                       </p:to>
                                     </p:set>
+                                    <p:animEffect transition="in" filter="fade">
+                                      <p:cBhvr>
+                                        <p:cTn id="37" dur="500"/>
+                                        <p:tgtEl>
+                                          <p:spTgt spid="31"/>
+                                        </p:tgtEl>
+                                      </p:cBhvr>
+                                    </p:animEffect>
                                   </p:childTnLst>
                                 </p:cTn>
                               </p:par>
                               <p:par>
-                                <p:cTn id="29" presetID="1" presetClass="entr" presetSubtype="0" fill="hold" grpId="0" nodeType="withEffect">
+                                <p:cTn id="38" presetID="10" presetClass="entr" presetSubtype="0" fill="hold" grpId="0" nodeType="withEffect">
                                   <p:stCondLst>
                                     <p:cond delay="0"/>
                                   </p:stCondLst>
                                   <p:childTnLst>
                                     <p:set>
                                       <p:cBhvr>
-                                        <p:cTn id="30" dur="1" fill="hold">
+                                        <p:cTn id="39" dur="1" fill="hold">
                                           <p:stCondLst>
                                             <p:cond delay="0"/>
                                           </p:stCondLst>
@@ -10986,6 +11058,14 @@
                                         <p:strVal val="visible"/>
                                       </p:to>
                                     </p:set>
+                                    <p:animEffect transition="in" filter="fade">
+                                      <p:cBhvr>
+                                        <p:cTn id="40" dur="500"/>
+                                        <p:tgtEl>
+                                          <p:spTgt spid="30"/>
+                                        </p:tgtEl>
+                                      </p:cBhvr>
+                                    </p:animEffect>
                                   </p:childTnLst>
                                 </p:cTn>
                               </p:par>
@@ -25952,7 +26032,7 @@
         <p:spPr>
           <a:xfrm>
             <a:off x="3433607" y="1623246"/>
-            <a:ext cx="1960793" cy="584775"/>
+            <a:ext cx="1981633" cy="584775"/>
           </a:xfrm>
           <a:prstGeom prst="rect">
             <a:avLst/>
@@ -25996,8 +26076,8 @@
               <a:t>안녕 나는 </a:t>
             </a:r>
             <a:r>
-              <a:rPr lang="en-US" altLang="ko-KR" sz="1600" dirty="0" err="1"/>
-              <a:t>seori</a:t>
+              <a:rPr lang="en-US" altLang="ko-KR" sz="1600" dirty="0"/>
+              <a:t>Seori</a:t>
             </a:r>
             <a:r>
               <a:rPr lang="ko-KR" altLang="en-US" sz="1600" dirty="0"/>
@@ -26435,7 +26515,7 @@
                             </p:stCondLst>
                             <p:childTnLst>
                               <p:par>
-                                <p:cTn id="5" presetID="1" presetClass="entr" presetSubtype="0" fill="hold" grpId="0" nodeType="clickEffect">
+                                <p:cTn id="5" presetID="10" presetClass="entr" presetSubtype="0" fill="hold" grpId="0" nodeType="clickEffect">
                                   <p:stCondLst>
                                     <p:cond delay="0"/>
                                   </p:stCondLst>
@@ -26458,18 +26538,26 @@
                                         <p:strVal val="visible"/>
                                       </p:to>
                                     </p:set>
+                                    <p:animEffect transition="in" filter="fade">
+                                      <p:cBhvr>
+                                        <p:cTn id="7" dur="500"/>
+                                        <p:tgtEl>
+                                          <p:spTgt spid="24"/>
+                                        </p:tgtEl>
+                                      </p:cBhvr>
+                                    </p:animEffect>
                                   </p:childTnLst>
                                 </p:cTn>
                               </p:par>
                               <p:par>
-                                <p:cTn id="7" presetID="1" presetClass="entr" presetSubtype="0" fill="hold" grpId="0" nodeType="withEffect">
+                                <p:cTn id="8" presetID="10" presetClass="entr" presetSubtype="0" fill="hold" grpId="0" nodeType="withEffect">
                                   <p:stCondLst>
                                     <p:cond delay="0"/>
                                   </p:stCondLst>
                                   <p:childTnLst>
                                     <p:set>
                                       <p:cBhvr>
-                                        <p:cTn id="8" dur="1" fill="hold">
+                                        <p:cTn id="9" dur="1" fill="hold">
                                           <p:stCondLst>
                                             <p:cond delay="0"/>
                                           </p:stCondLst>
@@ -26485,6 +26573,14 @@
                                         <p:strVal val="visible"/>
                                       </p:to>
                                     </p:set>
+                                    <p:animEffect transition="in" filter="fade">
+                                      <p:cBhvr>
+                                        <p:cTn id="10" dur="500"/>
+                                        <p:tgtEl>
+                                          <p:spTgt spid="17"/>
+                                        </p:tgtEl>
+                                      </p:cBhvr>
+                                    </p:animEffect>
                                   </p:childTnLst>
                                 </p:cTn>
                               </p:par>
@@ -26495,26 +26591,26 @@
                     </p:cTn>
                   </p:par>
                   <p:par>
-                    <p:cTn id="9" fill="hold">
+                    <p:cTn id="11" fill="hold">
                       <p:stCondLst>
                         <p:cond delay="indefinite"/>
                       </p:stCondLst>
                       <p:childTnLst>
                         <p:par>
-                          <p:cTn id="10" fill="hold">
+                          <p:cTn id="12" fill="hold">
                             <p:stCondLst>
                               <p:cond delay="0"/>
                             </p:stCondLst>
                             <p:childTnLst>
                               <p:par>
-                                <p:cTn id="11" presetID="1" presetClass="entr" presetSubtype="0" fill="hold" grpId="0" nodeType="clickEffect">
+                                <p:cTn id="13" presetID="10" presetClass="entr" presetSubtype="0" fill="hold" grpId="0" nodeType="clickEffect">
                                   <p:stCondLst>
                                     <p:cond delay="0"/>
                                   </p:stCondLst>
                                   <p:childTnLst>
                                     <p:set>
                                       <p:cBhvr>
-                                        <p:cTn id="12" dur="1" fill="hold">
+                                        <p:cTn id="14" dur="1" fill="hold">
                                           <p:stCondLst>
                                             <p:cond delay="0"/>
                                           </p:stCondLst>
@@ -26530,18 +26626,26 @@
                                         <p:strVal val="visible"/>
                                       </p:to>
                                     </p:set>
+                                    <p:animEffect transition="in" filter="fade">
+                                      <p:cBhvr>
+                                        <p:cTn id="15" dur="500"/>
+                                        <p:tgtEl>
+                                          <p:spTgt spid="25"/>
+                                        </p:tgtEl>
+                                      </p:cBhvr>
+                                    </p:animEffect>
                                   </p:childTnLst>
                                 </p:cTn>
                               </p:par>
                               <p:par>
-                                <p:cTn id="13" presetID="1" presetClass="entr" presetSubtype="0" fill="hold" grpId="0" nodeType="withEffect">
+                                <p:cTn id="16" presetID="10" presetClass="entr" presetSubtype="0" fill="hold" grpId="0" nodeType="withEffect">
                                   <p:stCondLst>
                                     <p:cond delay="0"/>
                                   </p:stCondLst>
                                   <p:childTnLst>
                                     <p:set>
                                       <p:cBhvr>
-                                        <p:cTn id="14" dur="1" fill="hold">
+                                        <p:cTn id="17" dur="1" fill="hold">
                                           <p:stCondLst>
                                             <p:cond delay="0"/>
                                           </p:stCondLst>
@@ -26557,6 +26661,14 @@
                                         <p:strVal val="visible"/>
                                       </p:to>
                                     </p:set>
+                                    <p:animEffect transition="in" filter="fade">
+                                      <p:cBhvr>
+                                        <p:cTn id="18" dur="500"/>
+                                        <p:tgtEl>
+                                          <p:spTgt spid="23"/>
+                                        </p:tgtEl>
+                                      </p:cBhvr>
+                                    </p:animEffect>
                                   </p:childTnLst>
                                 </p:cTn>
                               </p:par>
@@ -26567,26 +26679,26 @@
                     </p:cTn>
                   </p:par>
                   <p:par>
-                    <p:cTn id="15" fill="hold">
+                    <p:cTn id="19" fill="hold">
                       <p:stCondLst>
                         <p:cond delay="indefinite"/>
                       </p:stCondLst>
                       <p:childTnLst>
                         <p:par>
-                          <p:cTn id="16" fill="hold">
+                          <p:cTn id="20" fill="hold">
                             <p:stCondLst>
                               <p:cond delay="0"/>
                             </p:stCondLst>
                             <p:childTnLst>
                               <p:par>
-                                <p:cTn id="17" presetID="1" presetClass="entr" presetSubtype="0" fill="hold" grpId="0" nodeType="clickEffect">
+                                <p:cTn id="21" presetID="10" presetClass="entr" presetSubtype="0" fill="hold" grpId="0" nodeType="clickEffect">
                                   <p:stCondLst>
                                     <p:cond delay="0"/>
                                   </p:stCondLst>
                                   <p:childTnLst>
                                     <p:set>
                                       <p:cBhvr>
-                                        <p:cTn id="18" dur="1" fill="hold">
+                                        <p:cTn id="22" dur="1" fill="hold">
                                           <p:stCondLst>
                                             <p:cond delay="0"/>
                                           </p:stCondLst>
@@ -26602,18 +26714,26 @@
                                         <p:strVal val="visible"/>
                                       </p:to>
                                     </p:set>
+                                    <p:animEffect transition="in" filter="fade">
+                                      <p:cBhvr>
+                                        <p:cTn id="23" dur="500"/>
+                                        <p:tgtEl>
+                                          <p:spTgt spid="29"/>
+                                        </p:tgtEl>
+                                      </p:cBhvr>
+                                    </p:animEffect>
                                   </p:childTnLst>
                                 </p:cTn>
                               </p:par>
                               <p:par>
-                                <p:cTn id="19" presetID="1" presetClass="entr" presetSubtype="0" fill="hold" grpId="0" nodeType="withEffect">
+                                <p:cTn id="24" presetID="10" presetClass="entr" presetSubtype="0" fill="hold" grpId="0" nodeType="withEffect">
                                   <p:stCondLst>
                                     <p:cond delay="0"/>
                                   </p:stCondLst>
                                   <p:childTnLst>
                                     <p:set>
                                       <p:cBhvr>
-                                        <p:cTn id="20" dur="1" fill="hold">
+                                        <p:cTn id="25" dur="1" fill="hold">
                                           <p:stCondLst>
                                             <p:cond delay="0"/>
                                           </p:stCondLst>
@@ -26629,6 +26749,14 @@
                                         <p:strVal val="visible"/>
                                       </p:to>
                                     </p:set>
+                                    <p:animEffect transition="in" filter="fade">
+                                      <p:cBhvr>
+                                        <p:cTn id="26" dur="500"/>
+                                        <p:tgtEl>
+                                          <p:spTgt spid="28"/>
+                                        </p:tgtEl>
+                                      </p:cBhvr>
+                                    </p:animEffect>
                                   </p:childTnLst>
                                 </p:cTn>
                               </p:par>
@@ -26639,26 +26767,26 @@
                     </p:cTn>
                   </p:par>
                   <p:par>
-                    <p:cTn id="21" fill="hold">
+                    <p:cTn id="27" fill="hold">
                       <p:stCondLst>
                         <p:cond delay="indefinite"/>
                       </p:stCondLst>
                       <p:childTnLst>
                         <p:par>
-                          <p:cTn id="22" fill="hold">
+                          <p:cTn id="28" fill="hold">
                             <p:stCondLst>
                               <p:cond delay="0"/>
                             </p:stCondLst>
                             <p:childTnLst>
                               <p:par>
-                                <p:cTn id="23" presetID="1" presetClass="entr" presetSubtype="0" fill="hold" grpId="0" nodeType="clickEffect">
+                                <p:cTn id="29" presetID="10" presetClass="entr" presetSubtype="0" fill="hold" grpId="0" nodeType="clickEffect">
                                   <p:stCondLst>
                                     <p:cond delay="0"/>
                                   </p:stCondLst>
                                   <p:childTnLst>
                                     <p:set>
                                       <p:cBhvr>
-                                        <p:cTn id="24" dur="1" fill="hold">
+                                        <p:cTn id="30" dur="1" fill="hold">
                                           <p:stCondLst>
                                             <p:cond delay="0"/>
                                           </p:stCondLst>
@@ -26674,18 +26802,26 @@
                                         <p:strVal val="visible"/>
                                       </p:to>
                                     </p:set>
+                                    <p:animEffect transition="in" filter="fade">
+                                      <p:cBhvr>
+                                        <p:cTn id="31" dur="500"/>
+                                        <p:tgtEl>
+                                          <p:spTgt spid="31"/>
+                                        </p:tgtEl>
+                                      </p:cBhvr>
+                                    </p:animEffect>
                                   </p:childTnLst>
                                 </p:cTn>
                               </p:par>
                               <p:par>
-                                <p:cTn id="25" presetID="1" presetClass="entr" presetSubtype="0" fill="hold" grpId="0" nodeType="withEffect">
+                                <p:cTn id="32" presetID="10" presetClass="entr" presetSubtype="0" fill="hold" grpId="0" nodeType="withEffect">
                                   <p:stCondLst>
                                     <p:cond delay="0"/>
                                   </p:stCondLst>
                                   <p:childTnLst>
                                     <p:set>
                                       <p:cBhvr>
-                                        <p:cTn id="26" dur="1" fill="hold">
+                                        <p:cTn id="33" dur="1" fill="hold">
                                           <p:stCondLst>
                                             <p:cond delay="0"/>
                                           </p:stCondLst>
@@ -26701,6 +26837,14 @@
                                         <p:strVal val="visible"/>
                                       </p:to>
                                     </p:set>
+                                    <p:animEffect transition="in" filter="fade">
+                                      <p:cBhvr>
+                                        <p:cTn id="34" dur="500"/>
+                                        <p:tgtEl>
+                                          <p:spTgt spid="30"/>
+                                        </p:tgtEl>
+                                      </p:cBhvr>
+                                    </p:animEffect>
                                   </p:childTnLst>
                                 </p:cTn>
                               </p:par>
@@ -30686,7 +30830,7 @@
                             </p:stCondLst>
                             <p:childTnLst>
                               <p:par>
-                                <p:cTn id="5" presetID="1" presetClass="entr" presetSubtype="0" fill="hold" grpId="0" nodeType="clickEffect">
+                                <p:cTn id="5" presetID="10" presetClass="entr" presetSubtype="0" fill="hold" grpId="0" nodeType="clickEffect">
                                   <p:stCondLst>
                                     <p:cond delay="0"/>
                                   </p:stCondLst>
@@ -30709,18 +30853,26 @@
                                         <p:strVal val="visible"/>
                                       </p:to>
                                     </p:set>
+                                    <p:animEffect transition="in" filter="fade">
+                                      <p:cBhvr>
+                                        <p:cTn id="7" dur="500"/>
+                                        <p:tgtEl>
+                                          <p:spTgt spid="24"/>
+                                        </p:tgtEl>
+                                      </p:cBhvr>
+                                    </p:animEffect>
                                   </p:childTnLst>
                                 </p:cTn>
                               </p:par>
                               <p:par>
-                                <p:cTn id="7" presetID="1" presetClass="entr" presetSubtype="0" fill="hold" grpId="0" nodeType="withEffect">
+                                <p:cTn id="8" presetID="10" presetClass="entr" presetSubtype="0" fill="hold" grpId="0" nodeType="withEffect">
                                   <p:stCondLst>
                                     <p:cond delay="0"/>
                                   </p:stCondLst>
                                   <p:childTnLst>
                                     <p:set>
                                       <p:cBhvr>
-                                        <p:cTn id="8" dur="1" fill="hold">
+                                        <p:cTn id="9" dur="1" fill="hold">
                                           <p:stCondLst>
                                             <p:cond delay="0"/>
                                           </p:stCondLst>
@@ -30736,6 +30888,14 @@
                                         <p:strVal val="visible"/>
                                       </p:to>
                                     </p:set>
+                                    <p:animEffect transition="in" filter="fade">
+                                      <p:cBhvr>
+                                        <p:cTn id="10" dur="500"/>
+                                        <p:tgtEl>
+                                          <p:spTgt spid="17"/>
+                                        </p:tgtEl>
+                                      </p:cBhvr>
+                                    </p:animEffect>
                                   </p:childTnLst>
                                 </p:cTn>
                               </p:par>
@@ -30746,26 +30906,26 @@
                     </p:cTn>
                   </p:par>
                   <p:par>
-                    <p:cTn id="9" fill="hold">
+                    <p:cTn id="11" fill="hold">
                       <p:stCondLst>
                         <p:cond delay="indefinite"/>
                       </p:stCondLst>
                       <p:childTnLst>
                         <p:par>
-                          <p:cTn id="10" fill="hold">
+                          <p:cTn id="12" fill="hold">
                             <p:stCondLst>
                               <p:cond delay="0"/>
                             </p:stCondLst>
                             <p:childTnLst>
                               <p:par>
-                                <p:cTn id="11" presetID="1" presetClass="entr" presetSubtype="0" fill="hold" grpId="0" nodeType="clickEffect">
+                                <p:cTn id="13" presetID="10" presetClass="entr" presetSubtype="0" fill="hold" grpId="0" nodeType="clickEffect">
                                   <p:stCondLst>
                                     <p:cond delay="0"/>
                                   </p:stCondLst>
                                   <p:childTnLst>
                                     <p:set>
                                       <p:cBhvr>
-                                        <p:cTn id="12" dur="1" fill="hold">
+                                        <p:cTn id="14" dur="1" fill="hold">
                                           <p:stCondLst>
                                             <p:cond delay="0"/>
                                           </p:stCondLst>
@@ -30781,18 +30941,26 @@
                                         <p:strVal val="visible"/>
                                       </p:to>
                                     </p:set>
+                                    <p:animEffect transition="in" filter="fade">
+                                      <p:cBhvr>
+                                        <p:cTn id="15" dur="500"/>
+                                        <p:tgtEl>
+                                          <p:spTgt spid="25"/>
+                                        </p:tgtEl>
+                                      </p:cBhvr>
+                                    </p:animEffect>
                                   </p:childTnLst>
                                 </p:cTn>
                               </p:par>
                               <p:par>
-                                <p:cTn id="13" presetID="1" presetClass="entr" presetSubtype="0" fill="hold" grpId="0" nodeType="withEffect">
+                                <p:cTn id="16" presetID="10" presetClass="entr" presetSubtype="0" fill="hold" grpId="0" nodeType="withEffect">
                                   <p:stCondLst>
                                     <p:cond delay="0"/>
                                   </p:stCondLst>
                                   <p:childTnLst>
                                     <p:set>
                                       <p:cBhvr>
-                                        <p:cTn id="14" dur="1" fill="hold">
+                                        <p:cTn id="17" dur="1" fill="hold">
                                           <p:stCondLst>
                                             <p:cond delay="0"/>
                                           </p:stCondLst>
@@ -30808,6 +30976,14 @@
                                         <p:strVal val="visible"/>
                                       </p:to>
                                     </p:set>
+                                    <p:animEffect transition="in" filter="fade">
+                                      <p:cBhvr>
+                                        <p:cTn id="18" dur="500"/>
+                                        <p:tgtEl>
+                                          <p:spTgt spid="23"/>
+                                        </p:tgtEl>
+                                      </p:cBhvr>
+                                    </p:animEffect>
                                   </p:childTnLst>
                                 </p:cTn>
                               </p:par>
@@ -30818,26 +30994,26 @@
                     </p:cTn>
                   </p:par>
                   <p:par>
-                    <p:cTn id="15" fill="hold">
+                    <p:cTn id="19" fill="hold">
                       <p:stCondLst>
                         <p:cond delay="indefinite"/>
                       </p:stCondLst>
                       <p:childTnLst>
                         <p:par>
-                          <p:cTn id="16" fill="hold">
+                          <p:cTn id="20" fill="hold">
                             <p:stCondLst>
                               <p:cond delay="0"/>
                             </p:stCondLst>
                             <p:childTnLst>
                               <p:par>
-                                <p:cTn id="17" presetID="1" presetClass="entr" presetSubtype="0" fill="hold" grpId="0" nodeType="clickEffect">
+                                <p:cTn id="21" presetID="10" presetClass="entr" presetSubtype="0" fill="hold" grpId="0" nodeType="clickEffect">
                                   <p:stCondLst>
                                     <p:cond delay="0"/>
                                   </p:stCondLst>
                                   <p:childTnLst>
                                     <p:set>
                                       <p:cBhvr>
-                                        <p:cTn id="18" dur="1" fill="hold">
+                                        <p:cTn id="22" dur="1" fill="hold">
                                           <p:stCondLst>
                                             <p:cond delay="0"/>
                                           </p:stCondLst>
@@ -30853,18 +31029,26 @@
                                         <p:strVal val="visible"/>
                                       </p:to>
                                     </p:set>
+                                    <p:animEffect transition="in" filter="fade">
+                                      <p:cBhvr>
+                                        <p:cTn id="23" dur="500"/>
+                                        <p:tgtEl>
+                                          <p:spTgt spid="31"/>
+                                        </p:tgtEl>
+                                      </p:cBhvr>
+                                    </p:animEffect>
                                   </p:childTnLst>
                                 </p:cTn>
                               </p:par>
                               <p:par>
-                                <p:cTn id="19" presetID="1" presetClass="entr" presetSubtype="0" fill="hold" grpId="0" nodeType="withEffect">
+                                <p:cTn id="24" presetID="10" presetClass="entr" presetSubtype="0" fill="hold" grpId="0" nodeType="withEffect">
                                   <p:stCondLst>
                                     <p:cond delay="0"/>
                                   </p:stCondLst>
                                   <p:childTnLst>
                                     <p:set>
                                       <p:cBhvr>
-                                        <p:cTn id="20" dur="1" fill="hold">
+                                        <p:cTn id="25" dur="1" fill="hold">
                                           <p:stCondLst>
                                             <p:cond delay="0"/>
                                           </p:stCondLst>
@@ -30880,6 +31064,14 @@
                                         <p:strVal val="visible"/>
                                       </p:to>
                                     </p:set>
+                                    <p:animEffect transition="in" filter="fade">
+                                      <p:cBhvr>
+                                        <p:cTn id="26" dur="500"/>
+                                        <p:tgtEl>
+                                          <p:spTgt spid="30"/>
+                                        </p:tgtEl>
+                                      </p:cBhvr>
+                                    </p:animEffect>
                                   </p:childTnLst>
                                 </p:cTn>
                               </p:par>
@@ -42344,7 +42536,7 @@
                             </p:stCondLst>
                             <p:childTnLst>
                               <p:par>
-                                <p:cTn id="5" presetID="1" presetClass="entr" presetSubtype="0" fill="hold" grpId="0" nodeType="clickEffect">
+                                <p:cTn id="5" presetID="10" presetClass="entr" presetSubtype="0" fill="hold" grpId="0" nodeType="clickEffect">
                                   <p:stCondLst>
                                     <p:cond delay="0"/>
                                   </p:stCondLst>
@@ -42367,18 +42559,26 @@
                                         <p:strVal val="visible"/>
                                       </p:to>
                                     </p:set>
+                                    <p:animEffect transition="in" filter="fade">
+                                      <p:cBhvr>
+                                        <p:cTn id="7" dur="500"/>
+                                        <p:tgtEl>
+                                          <p:spTgt spid="24"/>
+                                        </p:tgtEl>
+                                      </p:cBhvr>
+                                    </p:animEffect>
                                   </p:childTnLst>
                                 </p:cTn>
                               </p:par>
                               <p:par>
-                                <p:cTn id="7" presetID="1" presetClass="entr" presetSubtype="0" fill="hold" grpId="0" nodeType="withEffect">
+                                <p:cTn id="8" presetID="10" presetClass="entr" presetSubtype="0" fill="hold" grpId="0" nodeType="withEffect">
                                   <p:stCondLst>
                                     <p:cond delay="0"/>
                                   </p:stCondLst>
                                   <p:childTnLst>
                                     <p:set>
                                       <p:cBhvr>
-                                        <p:cTn id="8" dur="1" fill="hold">
+                                        <p:cTn id="9" dur="1" fill="hold">
                                           <p:stCondLst>
                                             <p:cond delay="0"/>
                                           </p:stCondLst>
@@ -42394,6 +42594,14 @@
                                         <p:strVal val="visible"/>
                                       </p:to>
                                     </p:set>
+                                    <p:animEffect transition="in" filter="fade">
+                                      <p:cBhvr>
+                                        <p:cTn id="10" dur="500"/>
+                                        <p:tgtEl>
+                                          <p:spTgt spid="17"/>
+                                        </p:tgtEl>
+                                      </p:cBhvr>
+                                    </p:animEffect>
                                   </p:childTnLst>
                                 </p:cTn>
                               </p:par>
@@ -42404,26 +42612,26 @@
                     </p:cTn>
                   </p:par>
                   <p:par>
-                    <p:cTn id="9" fill="hold">
+                    <p:cTn id="11" fill="hold">
                       <p:stCondLst>
                         <p:cond delay="indefinite"/>
                       </p:stCondLst>
                       <p:childTnLst>
                         <p:par>
-                          <p:cTn id="10" fill="hold">
+                          <p:cTn id="12" fill="hold">
                             <p:stCondLst>
                               <p:cond delay="0"/>
                             </p:stCondLst>
                             <p:childTnLst>
                               <p:par>
-                                <p:cTn id="11" presetID="1" presetClass="entr" presetSubtype="0" fill="hold" grpId="0" nodeType="clickEffect">
+                                <p:cTn id="13" presetID="10" presetClass="entr" presetSubtype="0" fill="hold" grpId="0" nodeType="clickEffect">
                                   <p:stCondLst>
                                     <p:cond delay="0"/>
                                   </p:stCondLst>
                                   <p:childTnLst>
                                     <p:set>
                                       <p:cBhvr>
-                                        <p:cTn id="12" dur="1" fill="hold">
+                                        <p:cTn id="14" dur="1" fill="hold">
                                           <p:stCondLst>
                                             <p:cond delay="0"/>
                                           </p:stCondLst>
@@ -42439,18 +42647,26 @@
                                         <p:strVal val="visible"/>
                                       </p:to>
                                     </p:set>
+                                    <p:animEffect transition="in" filter="fade">
+                                      <p:cBhvr>
+                                        <p:cTn id="15" dur="500"/>
+                                        <p:tgtEl>
+                                          <p:spTgt spid="25"/>
+                                        </p:tgtEl>
+                                      </p:cBhvr>
+                                    </p:animEffect>
                                   </p:childTnLst>
                                 </p:cTn>
                               </p:par>
                               <p:par>
-                                <p:cTn id="13" presetID="1" presetClass="entr" presetSubtype="0" fill="hold" grpId="0" nodeType="withEffect">
+                                <p:cTn id="16" presetID="10" presetClass="entr" presetSubtype="0" fill="hold" grpId="0" nodeType="withEffect">
                                   <p:stCondLst>
                                     <p:cond delay="0"/>
                                   </p:stCondLst>
                                   <p:childTnLst>
                                     <p:set>
                                       <p:cBhvr>
-                                        <p:cTn id="14" dur="1" fill="hold">
+                                        <p:cTn id="17" dur="1" fill="hold">
                                           <p:stCondLst>
                                             <p:cond delay="0"/>
                                           </p:stCondLst>
@@ -42466,6 +42682,14 @@
                                         <p:strVal val="visible"/>
                                       </p:to>
                                     </p:set>
+                                    <p:animEffect transition="in" filter="fade">
+                                      <p:cBhvr>
+                                        <p:cTn id="18" dur="500"/>
+                                        <p:tgtEl>
+                                          <p:spTgt spid="23"/>
+                                        </p:tgtEl>
+                                      </p:cBhvr>
+                                    </p:animEffect>
                                   </p:childTnLst>
                                 </p:cTn>
                               </p:par>
@@ -42476,26 +42700,26 @@
                     </p:cTn>
                   </p:par>
                   <p:par>
-                    <p:cTn id="15" fill="hold">
+                    <p:cTn id="19" fill="hold">
                       <p:stCondLst>
                         <p:cond delay="indefinite"/>
                       </p:stCondLst>
                       <p:childTnLst>
                         <p:par>
-                          <p:cTn id="16" fill="hold">
+                          <p:cTn id="20" fill="hold">
                             <p:stCondLst>
                               <p:cond delay="0"/>
                             </p:stCondLst>
                             <p:childTnLst>
                               <p:par>
-                                <p:cTn id="17" presetID="1" presetClass="entr" presetSubtype="0" fill="hold" grpId="0" nodeType="clickEffect">
+                                <p:cTn id="21" presetID="10" presetClass="entr" presetSubtype="0" fill="hold" grpId="0" nodeType="clickEffect">
                                   <p:stCondLst>
                                     <p:cond delay="0"/>
                                   </p:stCondLst>
                                   <p:childTnLst>
                                     <p:set>
                                       <p:cBhvr>
-                                        <p:cTn id="18" dur="1" fill="hold">
+                                        <p:cTn id="22" dur="1" fill="hold">
                                           <p:stCondLst>
                                             <p:cond delay="0"/>
                                           </p:stCondLst>
@@ -42511,18 +42735,26 @@
                                         <p:strVal val="visible"/>
                                       </p:to>
                                     </p:set>
+                                    <p:animEffect transition="in" filter="fade">
+                                      <p:cBhvr>
+                                        <p:cTn id="23" dur="500"/>
+                                        <p:tgtEl>
+                                          <p:spTgt spid="29"/>
+                                        </p:tgtEl>
+                                      </p:cBhvr>
+                                    </p:animEffect>
                                   </p:childTnLst>
                                 </p:cTn>
                               </p:par>
                               <p:par>
-                                <p:cTn id="19" presetID="1" presetClass="entr" presetSubtype="0" fill="hold" grpId="0" nodeType="withEffect">
+                                <p:cTn id="24" presetID="10" presetClass="entr" presetSubtype="0" fill="hold" grpId="0" nodeType="withEffect">
                                   <p:stCondLst>
                                     <p:cond delay="0"/>
                                   </p:stCondLst>
                                   <p:childTnLst>
                                     <p:set>
                                       <p:cBhvr>
-                                        <p:cTn id="20" dur="1" fill="hold">
+                                        <p:cTn id="25" dur="1" fill="hold">
                                           <p:stCondLst>
                                             <p:cond delay="0"/>
                                           </p:stCondLst>
@@ -42538,6 +42770,14 @@
                                         <p:strVal val="visible"/>
                                       </p:to>
                                     </p:set>
+                                    <p:animEffect transition="in" filter="fade">
+                                      <p:cBhvr>
+                                        <p:cTn id="26" dur="500"/>
+                                        <p:tgtEl>
+                                          <p:spTgt spid="28"/>
+                                        </p:tgtEl>
+                                      </p:cBhvr>
+                                    </p:animEffect>
                                   </p:childTnLst>
                                 </p:cTn>
                               </p:par>
@@ -42548,26 +42788,26 @@
                     </p:cTn>
                   </p:par>
                   <p:par>
-                    <p:cTn id="21" fill="hold">
+                    <p:cTn id="27" fill="hold">
                       <p:stCondLst>
                         <p:cond delay="indefinite"/>
                       </p:stCondLst>
                       <p:childTnLst>
                         <p:par>
-                          <p:cTn id="22" fill="hold">
+                          <p:cTn id="28" fill="hold">
                             <p:stCondLst>
                               <p:cond delay="0"/>
                             </p:stCondLst>
                             <p:childTnLst>
                               <p:par>
-                                <p:cTn id="23" presetID="1" presetClass="entr" presetSubtype="0" fill="hold" grpId="0" nodeType="clickEffect">
+                                <p:cTn id="29" presetID="10" presetClass="entr" presetSubtype="0" fill="hold" grpId="0" nodeType="clickEffect">
                                   <p:stCondLst>
                                     <p:cond delay="0"/>
                                   </p:stCondLst>
                                   <p:childTnLst>
                                     <p:set>
                                       <p:cBhvr>
-                                        <p:cTn id="24" dur="1" fill="hold">
+                                        <p:cTn id="30" dur="1" fill="hold">
                                           <p:stCondLst>
                                             <p:cond delay="0"/>
                                           </p:stCondLst>
@@ -42583,18 +42823,26 @@
                                         <p:strVal val="visible"/>
                                       </p:to>
                                     </p:set>
+                                    <p:animEffect transition="in" filter="fade">
+                                      <p:cBhvr>
+                                        <p:cTn id="31" dur="500"/>
+                                        <p:tgtEl>
+                                          <p:spTgt spid="31"/>
+                                        </p:tgtEl>
+                                      </p:cBhvr>
+                                    </p:animEffect>
                                   </p:childTnLst>
                                 </p:cTn>
                               </p:par>
                               <p:par>
-                                <p:cTn id="25" presetID="1" presetClass="entr" presetSubtype="0" fill="hold" grpId="0" nodeType="withEffect">
+                                <p:cTn id="32" presetID="10" presetClass="entr" presetSubtype="0" fill="hold" grpId="0" nodeType="withEffect">
                                   <p:stCondLst>
                                     <p:cond delay="0"/>
                                   </p:stCondLst>
                                   <p:childTnLst>
                                     <p:set>
                                       <p:cBhvr>
-                                        <p:cTn id="26" dur="1" fill="hold">
+                                        <p:cTn id="33" dur="1" fill="hold">
                                           <p:stCondLst>
                                             <p:cond delay="0"/>
                                           </p:stCondLst>
@@ -42610,6 +42858,14 @@
                                         <p:strVal val="visible"/>
                                       </p:to>
                                     </p:set>
+                                    <p:animEffect transition="in" filter="fade">
+                                      <p:cBhvr>
+                                        <p:cTn id="34" dur="500"/>
+                                        <p:tgtEl>
+                                          <p:spTgt spid="30"/>
+                                        </p:tgtEl>
+                                      </p:cBhvr>
+                                    </p:animEffect>
                                   </p:childTnLst>
                                 </p:cTn>
                               </p:par>
